--- a/assets/tactile_image_files/0035-North_America/0035-North_America.pptx
+++ b/assets/tactile_image_files/0035-North_America/0035-North_America.pptx
@@ -198,7 +198,7 @@
           </a:lstStyle>
           <a:p>
             <a:fld id="{DC880F74-5F87-E94E-8AEF-72C270124CC0}" type="datetimeFigureOut">
-              <a:t>7/24/20</a:t>
+              <a:t>6/17/21</a:t>
             </a:fld>
             <a:endParaRPr lang="en-US"/>
           </a:p>
@@ -603,7 +603,7 @@
           <a:p>
             <a:fld id="{E796F801-3BB8-A247-923B-F07F1B58D38A}" type="datetimeFigureOut">
               <a:rPr lang="en-US" smtClean="0"/>
-              <a:t>7/24/20</a:t>
+              <a:t>6/17/21</a:t>
             </a:fld>
             <a:endParaRPr lang="en-US"/>
           </a:p>
@@ -783,7 +783,7 @@
           <a:p>
             <a:fld id="{E796F801-3BB8-A247-923B-F07F1B58D38A}" type="datetimeFigureOut">
               <a:rPr lang="en-US" smtClean="0"/>
-              <a:t>7/24/20</a:t>
+              <a:t>6/17/21</a:t>
             </a:fld>
             <a:endParaRPr lang="en-US"/>
           </a:p>
@@ -953,7 +953,7 @@
           <a:p>
             <a:fld id="{E796F801-3BB8-A247-923B-F07F1B58D38A}" type="datetimeFigureOut">
               <a:rPr lang="en-US" smtClean="0"/>
-              <a:t>7/24/20</a:t>
+              <a:t>6/17/21</a:t>
             </a:fld>
             <a:endParaRPr lang="en-US"/>
           </a:p>
@@ -1197,7 +1197,7 @@
           <a:p>
             <a:fld id="{E796F801-3BB8-A247-923B-F07F1B58D38A}" type="datetimeFigureOut">
               <a:rPr lang="en-US" smtClean="0"/>
-              <a:t>7/24/20</a:t>
+              <a:t>6/17/21</a:t>
             </a:fld>
             <a:endParaRPr lang="en-US"/>
           </a:p>
@@ -1429,7 +1429,7 @@
           <a:p>
             <a:fld id="{E796F801-3BB8-A247-923B-F07F1B58D38A}" type="datetimeFigureOut">
               <a:rPr lang="en-US" smtClean="0"/>
-              <a:t>7/24/20</a:t>
+              <a:t>6/17/21</a:t>
             </a:fld>
             <a:endParaRPr lang="en-US"/>
           </a:p>
@@ -1796,7 +1796,7 @@
           <a:p>
             <a:fld id="{E796F801-3BB8-A247-923B-F07F1B58D38A}" type="datetimeFigureOut">
               <a:rPr lang="en-US" smtClean="0"/>
-              <a:t>7/24/20</a:t>
+              <a:t>6/17/21</a:t>
             </a:fld>
             <a:endParaRPr lang="en-US"/>
           </a:p>
@@ -1914,7 +1914,7 @@
           <a:p>
             <a:fld id="{E796F801-3BB8-A247-923B-F07F1B58D38A}" type="datetimeFigureOut">
               <a:rPr lang="en-US" smtClean="0"/>
-              <a:t>7/24/20</a:t>
+              <a:t>6/17/21</a:t>
             </a:fld>
             <a:endParaRPr lang="en-US"/>
           </a:p>
@@ -2009,7 +2009,7 @@
           <a:p>
             <a:fld id="{E796F801-3BB8-A247-923B-F07F1B58D38A}" type="datetimeFigureOut">
               <a:rPr lang="en-US" smtClean="0"/>
-              <a:t>7/24/20</a:t>
+              <a:t>6/17/21</a:t>
             </a:fld>
             <a:endParaRPr lang="en-US"/>
           </a:p>
@@ -2286,7 +2286,7 @@
           <a:p>
             <a:fld id="{E796F801-3BB8-A247-923B-F07F1B58D38A}" type="datetimeFigureOut">
               <a:rPr lang="en-US" smtClean="0"/>
-              <a:t>7/24/20</a:t>
+              <a:t>6/17/21</a:t>
             </a:fld>
             <a:endParaRPr lang="en-US"/>
           </a:p>
@@ -2543,7 +2543,7 @@
           <a:p>
             <a:fld id="{E796F801-3BB8-A247-923B-F07F1B58D38A}" type="datetimeFigureOut">
               <a:rPr lang="en-US" smtClean="0"/>
-              <a:t>7/24/20</a:t>
+              <a:t>6/17/21</a:t>
             </a:fld>
             <a:endParaRPr lang="en-US"/>
           </a:p>
@@ -2756,7 +2756,7 @@
           <a:p>
             <a:fld id="{E796F801-3BB8-A247-923B-F07F1B58D38A}" type="datetimeFigureOut">
               <a:rPr lang="en-US" smtClean="0"/>
-              <a:t>7/24/20</a:t>
+              <a:t>6/17/21</a:t>
             </a:fld>
             <a:endParaRPr lang="en-US"/>
           </a:p>
@@ -3252,16 +3252,15 @@
           </p:cNvPicPr>
           <p:nvPr/>
         </p:nvPicPr>
-        <p:blipFill>
+        <p:blipFill rotWithShape="1">
           <a:blip r:embed="rId2"/>
-          <a:stretch>
-            <a:fillRect/>
-          </a:stretch>
+          <a:srcRect b="25026"/>
+          <a:stretch/>
         </p:blipFill>
         <p:spPr>
           <a:xfrm>
             <a:off x="332857" y="1132663"/>
-            <a:ext cx="8353943" cy="7636426"/>
+            <a:ext cx="8353943" cy="5725337"/>
           </a:xfrm>
           <a:prstGeom prst="rect">
             <a:avLst/>
@@ -3387,8 +3386,8 @@
           <p:nvPr/>
         </p:nvSpPr>
         <p:spPr>
-          <a:xfrm rot="1469476">
-            <a:off x="6960705" y="1649450"/>
+          <a:xfrm>
+            <a:off x="7025253" y="1649450"/>
             <a:ext cx="1019831" cy="307777"/>
           </a:xfrm>
           <a:prstGeom prst="rect">
@@ -3532,16 +3531,15 @@
           </p:cNvPicPr>
           <p:nvPr/>
         </p:nvPicPr>
-        <p:blipFill>
+        <p:blipFill rotWithShape="1">
           <a:blip r:embed="rId2"/>
-          <a:stretch>
-            <a:fillRect/>
-          </a:stretch>
+          <a:srcRect b="25026"/>
+          <a:stretch/>
         </p:blipFill>
         <p:spPr>
           <a:xfrm>
             <a:off x="332857" y="1132663"/>
-            <a:ext cx="8353943" cy="7636426"/>
+            <a:ext cx="8353943" cy="5725337"/>
           </a:xfrm>
           <a:prstGeom prst="rect">
             <a:avLst/>
@@ -3562,8 +3560,8 @@
         </p:nvSpPr>
         <p:spPr>
           <a:xfrm flipH="1">
-            <a:off x="861236" y="180119"/>
-            <a:ext cx="7836196" cy="830997"/>
+            <a:off x="307142" y="180119"/>
+            <a:ext cx="8390290" cy="830997"/>
           </a:xfrm>
           <a:prstGeom prst="rect">
             <a:avLst/>
@@ -3581,7 +3579,7 @@
           <a:p>
             <a:pPr algn="ctr"/>
             <a:r>
-              <a:rPr lang="en-US" sz="2400">
+              <a:rPr lang="en-US" sz="2400" dirty="0">
                 <a:latin typeface="Swell Braille" pitchFamily="49"/>
                 <a:ea typeface="Braille Normal" charset="0"/>
                 <a:cs typeface="Braille Normal" charset="0"/>
@@ -3592,12 +3590,12 @@
           <a:p>
             <a:pPr algn="ctr"/>
             <a:r>
-              <a:rPr lang="en-US" sz="2400">
+              <a:rPr lang="en-US" sz="2400" dirty="0">
                 <a:latin typeface="Swell Braille" pitchFamily="49"/>
                 <a:ea typeface="Braille Normal" charset="0"/>
                 <a:cs typeface="Braille Normal" charset="0"/>
               </a:rPr>
-              <a:t>⠐⠣⠥⠀⠠⠌⠁⠞⠑⠎⠀⠯⠀⠠⠉⠁⠝⠁⠙⠊⠁⠝⠀⠠⠏⠗⠕⠧⠔⠉⠑⠎⠐⠜</a:t>
+              <a:t>⠐⠣,,⠥s⠀⠠⠌⠁⠞⠑⠎⠀⠯⠀⠠⠉⠁⠝⠁⠙⠊⠁⠝⠀⠠⠏⠗⠕⠧⠔⠉⠑⠎⠐⠜</a:t>
             </a:r>
           </a:p>
         </p:txBody>
@@ -3667,8 +3665,8 @@
           <p:nvPr/>
         </p:nvSpPr>
         <p:spPr>
-          <a:xfrm rot="1603576">
-            <a:off x="6524770" y="1532490"/>
+          <a:xfrm>
+            <a:off x="7263001" y="2899896"/>
             <a:ext cx="1744388" cy="461665"/>
           </a:xfrm>
           <a:prstGeom prst="rect">
@@ -3682,7 +3680,7 @@
           <a:lstStyle/>
           <a:p>
             <a:r>
-              <a:rPr lang="en-US" sz="2400">
+              <a:rPr lang="en-US" sz="2400" dirty="0">
                 <a:latin typeface="Swell Braille" pitchFamily="49"/>
               </a:rPr>
               <a:t>⠠⠛⠗⠑⠢⠇⠯</a:t>
@@ -3690,6 +3688,42 @@
           </a:p>
         </p:txBody>
       </p:sp>
+      <p:cxnSp>
+        <p:nvCxnSpPr>
+          <p:cNvPr id="3" name="Straight Connector 2">
+            <a:extLst>
+              <a:ext uri="{FF2B5EF4-FFF2-40B4-BE49-F238E27FC236}">
+                <a16:creationId xmlns:a16="http://schemas.microsoft.com/office/drawing/2014/main" id="{2D988F7D-4704-4EB0-9F40-CD482919291F}"/>
+              </a:ext>
+            </a:extLst>
+          </p:cNvPr>
+          <p:cNvCxnSpPr/>
+          <p:nvPr/>
+        </p:nvCxnSpPr>
+        <p:spPr>
+          <a:xfrm flipH="1">
+            <a:off x="7659149" y="2265028"/>
+            <a:ext cx="159390" cy="634868"/>
+          </a:xfrm>
+          <a:prstGeom prst="line">
+            <a:avLst/>
+          </a:prstGeom>
+        </p:spPr>
+        <p:style>
+          <a:lnRef idx="2">
+            <a:schemeClr val="dk1"/>
+          </a:lnRef>
+          <a:fillRef idx="0">
+            <a:schemeClr val="dk1"/>
+          </a:fillRef>
+          <a:effectRef idx="1">
+            <a:schemeClr val="dk1"/>
+          </a:effectRef>
+          <a:fontRef idx="minor">
+            <a:schemeClr val="tx1"/>
+          </a:fontRef>
+        </p:style>
+      </p:cxnSp>
     </p:spTree>
     <p:extLst>
       <p:ext uri="{BB962C8B-B14F-4D97-AF65-F5344CB8AC3E}">
@@ -3811,16 +3845,15 @@
           </p:cNvPicPr>
           <p:nvPr/>
         </p:nvPicPr>
-        <p:blipFill>
+        <p:blipFill rotWithShape="1">
           <a:blip r:embed="rId2"/>
-          <a:stretch>
-            <a:fillRect/>
-          </a:stretch>
+          <a:srcRect b="15697"/>
+          <a:stretch/>
         </p:blipFill>
         <p:spPr>
           <a:xfrm>
             <a:off x="258428" y="420282"/>
-            <a:ext cx="8353943" cy="7636426"/>
+            <a:ext cx="8353943" cy="6437718"/>
           </a:xfrm>
           <a:prstGeom prst="rect">
             <a:avLst/>
